--- a/ppt 16-9/1532.耶和华拉法.pptx
+++ b/ppt 16-9/1532.耶和华拉法.pptx
@@ -129,7 +129,7 @@
           <p:cNvPr id="2" name="标题 1">
             <a:extLst>
               <a:ext uri="{FF2B5EF4-FFF2-40B4-BE49-F238E27FC236}">
-                <a16:creationId xmlns:a16="http://schemas.microsoft.com/office/drawing/2014/main" id="{D826A624-5C66-DDC1-F43B-7B3E2F92420A}"/>
+                <a16:creationId xmlns:a16="http://schemas.microsoft.com/office/drawing/2014/main" id="{C387CCC9-07A1-AB7B-6E8F-A7814CBD7EBD}"/>
               </a:ext>
             </a:extLst>
           </p:cNvPr>
@@ -166,7 +166,7 @@
           <p:cNvPr id="3" name="副标题 2">
             <a:extLst>
               <a:ext uri="{FF2B5EF4-FFF2-40B4-BE49-F238E27FC236}">
-                <a16:creationId xmlns:a16="http://schemas.microsoft.com/office/drawing/2014/main" id="{78664950-E39C-D06E-0BF0-B9FEE95EA54C}"/>
+                <a16:creationId xmlns:a16="http://schemas.microsoft.com/office/drawing/2014/main" id="{D4C4A648-7644-CC16-D665-D628149F1681}"/>
               </a:ext>
             </a:extLst>
           </p:cNvPr>
@@ -236,7 +236,7 @@
           <p:cNvPr id="4" name="日期占位符 3">
             <a:extLst>
               <a:ext uri="{FF2B5EF4-FFF2-40B4-BE49-F238E27FC236}">
-                <a16:creationId xmlns:a16="http://schemas.microsoft.com/office/drawing/2014/main" id="{213FD785-33BB-451C-4B36-2CE15E0CDEE9}"/>
+                <a16:creationId xmlns:a16="http://schemas.microsoft.com/office/drawing/2014/main" id="{32FA3748-7F8B-DB26-C271-55C0E13EF443}"/>
               </a:ext>
             </a:extLst>
           </p:cNvPr>
@@ -252,7 +252,7 @@
           <a:bodyPr/>
           <a:lstStyle/>
           <a:p>
-            <a:fld id="{DC8F7E22-085E-4530-BFCF-6818ABF4B010}" type="datetimeFigureOut">
+            <a:fld id="{2C9B6E8E-5987-4295-8DB6-98DF86C2FB70}" type="datetimeFigureOut">
               <a:rPr lang="zh-CN" altLang="en-US" smtClean="0"/>
               <a:t>2024/3/10</a:t>
             </a:fld>
@@ -265,7 +265,7 @@
           <p:cNvPr id="5" name="页脚占位符 4">
             <a:extLst>
               <a:ext uri="{FF2B5EF4-FFF2-40B4-BE49-F238E27FC236}">
-                <a16:creationId xmlns:a16="http://schemas.microsoft.com/office/drawing/2014/main" id="{CFDA79A9-FE19-39A2-0827-3308556912A5}"/>
+                <a16:creationId xmlns:a16="http://schemas.microsoft.com/office/drawing/2014/main" id="{6A18B87C-9F57-BEF2-DA58-AA8579C97270}"/>
               </a:ext>
             </a:extLst>
           </p:cNvPr>
@@ -290,7 +290,7 @@
           <p:cNvPr id="6" name="灯片编号占位符 5">
             <a:extLst>
               <a:ext uri="{FF2B5EF4-FFF2-40B4-BE49-F238E27FC236}">
-                <a16:creationId xmlns:a16="http://schemas.microsoft.com/office/drawing/2014/main" id="{9EE0B935-E705-7CF3-C92E-2EC80D64FE96}"/>
+                <a16:creationId xmlns:a16="http://schemas.microsoft.com/office/drawing/2014/main" id="{476B6E36-1389-48E7-E22A-DFBF61E089FC}"/>
               </a:ext>
             </a:extLst>
           </p:cNvPr>
@@ -306,7 +306,7 @@
           <a:bodyPr/>
           <a:lstStyle/>
           <a:p>
-            <a:fld id="{36E7ED65-8565-4449-A3A7-FB16D25802A8}" type="slidenum">
+            <a:fld id="{428C9D05-7D16-4FF5-A8C5-03857C0AE8B5}" type="slidenum">
               <a:rPr lang="zh-CN" altLang="en-US" smtClean="0"/>
               <a:t>‹#›</a:t>
             </a:fld>
@@ -317,7 +317,7 @@
     </p:spTree>
     <p:extLst>
       <p:ext uri="{BB962C8B-B14F-4D97-AF65-F5344CB8AC3E}">
-        <p14:creationId xmlns:p14="http://schemas.microsoft.com/office/powerpoint/2010/main" val="4213190933"/>
+        <p14:creationId xmlns:p14="http://schemas.microsoft.com/office/powerpoint/2010/main" val="233137399"/>
       </p:ext>
     </p:extLst>
   </p:cSld>
@@ -349,7 +349,7 @@
           <p:cNvPr id="2" name="标题 1">
             <a:extLst>
               <a:ext uri="{FF2B5EF4-FFF2-40B4-BE49-F238E27FC236}">
-                <a16:creationId xmlns:a16="http://schemas.microsoft.com/office/drawing/2014/main" id="{E937E7B7-7416-CB3E-B860-D66FD0807A64}"/>
+                <a16:creationId xmlns:a16="http://schemas.microsoft.com/office/drawing/2014/main" id="{DD742C96-9A83-1130-4A2B-53996B1891CC}"/>
               </a:ext>
             </a:extLst>
           </p:cNvPr>
@@ -377,7 +377,7 @@
           <p:cNvPr id="3" name="竖排文字占位符 2">
             <a:extLst>
               <a:ext uri="{FF2B5EF4-FFF2-40B4-BE49-F238E27FC236}">
-                <a16:creationId xmlns:a16="http://schemas.microsoft.com/office/drawing/2014/main" id="{3577C308-3270-28B4-BCFD-0358FBCD0F87}"/>
+                <a16:creationId xmlns:a16="http://schemas.microsoft.com/office/drawing/2014/main" id="{47E0BA6D-0616-DF4A-8D94-52D2A7A25186}"/>
               </a:ext>
             </a:extLst>
           </p:cNvPr>
@@ -434,7 +434,7 @@
           <p:cNvPr id="4" name="日期占位符 3">
             <a:extLst>
               <a:ext uri="{FF2B5EF4-FFF2-40B4-BE49-F238E27FC236}">
-                <a16:creationId xmlns:a16="http://schemas.microsoft.com/office/drawing/2014/main" id="{35B71599-4BAA-F4BC-A801-ADFA6481D727}"/>
+                <a16:creationId xmlns:a16="http://schemas.microsoft.com/office/drawing/2014/main" id="{23C4C0D7-8F4A-A7CB-7DDF-9076EB3C6CCC}"/>
               </a:ext>
             </a:extLst>
           </p:cNvPr>
@@ -450,7 +450,7 @@
           <a:bodyPr/>
           <a:lstStyle/>
           <a:p>
-            <a:fld id="{DC8F7E22-085E-4530-BFCF-6818ABF4B010}" type="datetimeFigureOut">
+            <a:fld id="{2C9B6E8E-5987-4295-8DB6-98DF86C2FB70}" type="datetimeFigureOut">
               <a:rPr lang="zh-CN" altLang="en-US" smtClean="0"/>
               <a:t>2024/3/10</a:t>
             </a:fld>
@@ -463,7 +463,7 @@
           <p:cNvPr id="5" name="页脚占位符 4">
             <a:extLst>
               <a:ext uri="{FF2B5EF4-FFF2-40B4-BE49-F238E27FC236}">
-                <a16:creationId xmlns:a16="http://schemas.microsoft.com/office/drawing/2014/main" id="{8A8A2C3C-EB76-CC75-0CEB-06A0D5CBE255}"/>
+                <a16:creationId xmlns:a16="http://schemas.microsoft.com/office/drawing/2014/main" id="{53F0A6D8-04D9-F6DF-3BB8-30A55B90FC9A}"/>
               </a:ext>
             </a:extLst>
           </p:cNvPr>
@@ -488,7 +488,7 @@
           <p:cNvPr id="6" name="灯片编号占位符 5">
             <a:extLst>
               <a:ext uri="{FF2B5EF4-FFF2-40B4-BE49-F238E27FC236}">
-                <a16:creationId xmlns:a16="http://schemas.microsoft.com/office/drawing/2014/main" id="{DDC4C3A2-9269-170B-D3C3-37BDE93BEF34}"/>
+                <a16:creationId xmlns:a16="http://schemas.microsoft.com/office/drawing/2014/main" id="{5FA0C942-8D2D-9A15-F58B-8729A81AEE61}"/>
               </a:ext>
             </a:extLst>
           </p:cNvPr>
@@ -504,7 +504,7 @@
           <a:bodyPr/>
           <a:lstStyle/>
           <a:p>
-            <a:fld id="{36E7ED65-8565-4449-A3A7-FB16D25802A8}" type="slidenum">
+            <a:fld id="{428C9D05-7D16-4FF5-A8C5-03857C0AE8B5}" type="slidenum">
               <a:rPr lang="zh-CN" altLang="en-US" smtClean="0"/>
               <a:t>‹#›</a:t>
             </a:fld>
@@ -515,7 +515,7 @@
     </p:spTree>
     <p:extLst>
       <p:ext uri="{BB962C8B-B14F-4D97-AF65-F5344CB8AC3E}">
-        <p14:creationId xmlns:p14="http://schemas.microsoft.com/office/powerpoint/2010/main" val="3575477322"/>
+        <p14:creationId xmlns:p14="http://schemas.microsoft.com/office/powerpoint/2010/main" val="93152494"/>
       </p:ext>
     </p:extLst>
   </p:cSld>
@@ -547,7 +547,7 @@
           <p:cNvPr id="2" name="竖排标题 1">
             <a:extLst>
               <a:ext uri="{FF2B5EF4-FFF2-40B4-BE49-F238E27FC236}">
-                <a16:creationId xmlns:a16="http://schemas.microsoft.com/office/drawing/2014/main" id="{61551479-7FCB-D7DC-9E71-4B271C894D82}"/>
+                <a16:creationId xmlns:a16="http://schemas.microsoft.com/office/drawing/2014/main" id="{EBEC0D36-3DCB-37CD-5048-1F685BE1C75B}"/>
               </a:ext>
             </a:extLst>
           </p:cNvPr>
@@ -580,7 +580,7 @@
           <p:cNvPr id="3" name="竖排文字占位符 2">
             <a:extLst>
               <a:ext uri="{FF2B5EF4-FFF2-40B4-BE49-F238E27FC236}">
-                <a16:creationId xmlns:a16="http://schemas.microsoft.com/office/drawing/2014/main" id="{28449450-B949-067D-7682-021D3489915A}"/>
+                <a16:creationId xmlns:a16="http://schemas.microsoft.com/office/drawing/2014/main" id="{031FDE37-F6CE-DFCB-3CD0-E1F4EBD17C2B}"/>
               </a:ext>
             </a:extLst>
           </p:cNvPr>
@@ -642,7 +642,7 @@
           <p:cNvPr id="4" name="日期占位符 3">
             <a:extLst>
               <a:ext uri="{FF2B5EF4-FFF2-40B4-BE49-F238E27FC236}">
-                <a16:creationId xmlns:a16="http://schemas.microsoft.com/office/drawing/2014/main" id="{4A72C446-9815-DB8B-5DE0-38E605E5DA43}"/>
+                <a16:creationId xmlns:a16="http://schemas.microsoft.com/office/drawing/2014/main" id="{77AA1001-1031-238E-6EA0-800E6F4A367B}"/>
               </a:ext>
             </a:extLst>
           </p:cNvPr>
@@ -658,7 +658,7 @@
           <a:bodyPr/>
           <a:lstStyle/>
           <a:p>
-            <a:fld id="{DC8F7E22-085E-4530-BFCF-6818ABF4B010}" type="datetimeFigureOut">
+            <a:fld id="{2C9B6E8E-5987-4295-8DB6-98DF86C2FB70}" type="datetimeFigureOut">
               <a:rPr lang="zh-CN" altLang="en-US" smtClean="0"/>
               <a:t>2024/3/10</a:t>
             </a:fld>
@@ -671,7 +671,7 @@
           <p:cNvPr id="5" name="页脚占位符 4">
             <a:extLst>
               <a:ext uri="{FF2B5EF4-FFF2-40B4-BE49-F238E27FC236}">
-                <a16:creationId xmlns:a16="http://schemas.microsoft.com/office/drawing/2014/main" id="{E215DEE2-3C4B-27FC-1194-2277D3542A28}"/>
+                <a16:creationId xmlns:a16="http://schemas.microsoft.com/office/drawing/2014/main" id="{5C423B50-D050-3ADA-0287-32D31F6E1F90}"/>
               </a:ext>
             </a:extLst>
           </p:cNvPr>
@@ -696,7 +696,7 @@
           <p:cNvPr id="6" name="灯片编号占位符 5">
             <a:extLst>
               <a:ext uri="{FF2B5EF4-FFF2-40B4-BE49-F238E27FC236}">
-                <a16:creationId xmlns:a16="http://schemas.microsoft.com/office/drawing/2014/main" id="{4B5F1AB4-8CB5-69B2-C49E-4E68520133F6}"/>
+                <a16:creationId xmlns:a16="http://schemas.microsoft.com/office/drawing/2014/main" id="{E144692C-CEE2-CFD2-3146-002A59DD0DE3}"/>
               </a:ext>
             </a:extLst>
           </p:cNvPr>
@@ -712,7 +712,7 @@
           <a:bodyPr/>
           <a:lstStyle/>
           <a:p>
-            <a:fld id="{36E7ED65-8565-4449-A3A7-FB16D25802A8}" type="slidenum">
+            <a:fld id="{428C9D05-7D16-4FF5-A8C5-03857C0AE8B5}" type="slidenum">
               <a:rPr lang="zh-CN" altLang="en-US" smtClean="0"/>
               <a:t>‹#›</a:t>
             </a:fld>
@@ -723,7 +723,7 @@
     </p:spTree>
     <p:extLst>
       <p:ext uri="{BB962C8B-B14F-4D97-AF65-F5344CB8AC3E}">
-        <p14:creationId xmlns:p14="http://schemas.microsoft.com/office/powerpoint/2010/main" val="3517557893"/>
+        <p14:creationId xmlns:p14="http://schemas.microsoft.com/office/powerpoint/2010/main" val="2343459761"/>
       </p:ext>
     </p:extLst>
   </p:cSld>
@@ -755,7 +755,7 @@
           <p:cNvPr id="2" name="标题 1">
             <a:extLst>
               <a:ext uri="{FF2B5EF4-FFF2-40B4-BE49-F238E27FC236}">
-                <a16:creationId xmlns:a16="http://schemas.microsoft.com/office/drawing/2014/main" id="{F1F932EC-068A-426D-DED7-47904522E298}"/>
+                <a16:creationId xmlns:a16="http://schemas.microsoft.com/office/drawing/2014/main" id="{116FF45D-F5DD-2B81-611D-AA9FC670A7B2}"/>
               </a:ext>
             </a:extLst>
           </p:cNvPr>
@@ -783,7 +783,7 @@
           <p:cNvPr id="3" name="内容占位符 2">
             <a:extLst>
               <a:ext uri="{FF2B5EF4-FFF2-40B4-BE49-F238E27FC236}">
-                <a16:creationId xmlns:a16="http://schemas.microsoft.com/office/drawing/2014/main" id="{7629B862-7AF8-7DA6-0164-1BCADEC4C254}"/>
+                <a16:creationId xmlns:a16="http://schemas.microsoft.com/office/drawing/2014/main" id="{BA5E73C0-A4D1-DB73-C3AC-2E3EB07AFA21}"/>
               </a:ext>
             </a:extLst>
           </p:cNvPr>
@@ -840,7 +840,7 @@
           <p:cNvPr id="4" name="日期占位符 3">
             <a:extLst>
               <a:ext uri="{FF2B5EF4-FFF2-40B4-BE49-F238E27FC236}">
-                <a16:creationId xmlns:a16="http://schemas.microsoft.com/office/drawing/2014/main" id="{6180B601-7C23-0F86-F6E1-759AA8446B81}"/>
+                <a16:creationId xmlns:a16="http://schemas.microsoft.com/office/drawing/2014/main" id="{37331B9F-73F2-F325-D7AE-1972843738E3}"/>
               </a:ext>
             </a:extLst>
           </p:cNvPr>
@@ -856,7 +856,7 @@
           <a:bodyPr/>
           <a:lstStyle/>
           <a:p>
-            <a:fld id="{DC8F7E22-085E-4530-BFCF-6818ABF4B010}" type="datetimeFigureOut">
+            <a:fld id="{2C9B6E8E-5987-4295-8DB6-98DF86C2FB70}" type="datetimeFigureOut">
               <a:rPr lang="zh-CN" altLang="en-US" smtClean="0"/>
               <a:t>2024/3/10</a:t>
             </a:fld>
@@ -869,7 +869,7 @@
           <p:cNvPr id="5" name="页脚占位符 4">
             <a:extLst>
               <a:ext uri="{FF2B5EF4-FFF2-40B4-BE49-F238E27FC236}">
-                <a16:creationId xmlns:a16="http://schemas.microsoft.com/office/drawing/2014/main" id="{525AD1BC-13AC-48C7-0006-181EEBB1E6F8}"/>
+                <a16:creationId xmlns:a16="http://schemas.microsoft.com/office/drawing/2014/main" id="{CC3CCECC-650E-3623-EF6B-EDCF7B858B04}"/>
               </a:ext>
             </a:extLst>
           </p:cNvPr>
@@ -894,7 +894,7 @@
           <p:cNvPr id="6" name="灯片编号占位符 5">
             <a:extLst>
               <a:ext uri="{FF2B5EF4-FFF2-40B4-BE49-F238E27FC236}">
-                <a16:creationId xmlns:a16="http://schemas.microsoft.com/office/drawing/2014/main" id="{0D7F5CAF-B2A2-8E26-B4C4-A3B19B1683FB}"/>
+                <a16:creationId xmlns:a16="http://schemas.microsoft.com/office/drawing/2014/main" id="{87BC85A4-1254-7344-547E-EF86BFB03DD2}"/>
               </a:ext>
             </a:extLst>
           </p:cNvPr>
@@ -910,7 +910,7 @@
           <a:bodyPr/>
           <a:lstStyle/>
           <a:p>
-            <a:fld id="{36E7ED65-8565-4449-A3A7-FB16D25802A8}" type="slidenum">
+            <a:fld id="{428C9D05-7D16-4FF5-A8C5-03857C0AE8B5}" type="slidenum">
               <a:rPr lang="zh-CN" altLang="en-US" smtClean="0"/>
               <a:t>‹#›</a:t>
             </a:fld>
@@ -921,7 +921,7 @@
     </p:spTree>
     <p:extLst>
       <p:ext uri="{BB962C8B-B14F-4D97-AF65-F5344CB8AC3E}">
-        <p14:creationId xmlns:p14="http://schemas.microsoft.com/office/powerpoint/2010/main" val="4075919866"/>
+        <p14:creationId xmlns:p14="http://schemas.microsoft.com/office/powerpoint/2010/main" val="2242894402"/>
       </p:ext>
     </p:extLst>
   </p:cSld>
@@ -953,7 +953,7 @@
           <p:cNvPr id="2" name="标题 1">
             <a:extLst>
               <a:ext uri="{FF2B5EF4-FFF2-40B4-BE49-F238E27FC236}">
-                <a16:creationId xmlns:a16="http://schemas.microsoft.com/office/drawing/2014/main" id="{509FBA64-B889-4492-FBF4-8C444EC824D0}"/>
+                <a16:creationId xmlns:a16="http://schemas.microsoft.com/office/drawing/2014/main" id="{AFE58FA0-1726-7430-F256-5C543E5171DE}"/>
               </a:ext>
             </a:extLst>
           </p:cNvPr>
@@ -990,7 +990,7 @@
           <p:cNvPr id="3" name="文本占位符 2">
             <a:extLst>
               <a:ext uri="{FF2B5EF4-FFF2-40B4-BE49-F238E27FC236}">
-                <a16:creationId xmlns:a16="http://schemas.microsoft.com/office/drawing/2014/main" id="{9700CB4F-360D-2FA1-B604-DE4628704E2E}"/>
+                <a16:creationId xmlns:a16="http://schemas.microsoft.com/office/drawing/2014/main" id="{89D4B784-CC79-E10F-F592-D5A28B621752}"/>
               </a:ext>
             </a:extLst>
           </p:cNvPr>
@@ -1115,7 +1115,7 @@
           <p:cNvPr id="4" name="日期占位符 3">
             <a:extLst>
               <a:ext uri="{FF2B5EF4-FFF2-40B4-BE49-F238E27FC236}">
-                <a16:creationId xmlns:a16="http://schemas.microsoft.com/office/drawing/2014/main" id="{72E52F22-CCAB-BB76-DD0F-B3E65F398C05}"/>
+                <a16:creationId xmlns:a16="http://schemas.microsoft.com/office/drawing/2014/main" id="{E5D8624A-FC68-D950-11EA-F2D12135700F}"/>
               </a:ext>
             </a:extLst>
           </p:cNvPr>
@@ -1131,7 +1131,7 @@
           <a:bodyPr/>
           <a:lstStyle/>
           <a:p>
-            <a:fld id="{DC8F7E22-085E-4530-BFCF-6818ABF4B010}" type="datetimeFigureOut">
+            <a:fld id="{2C9B6E8E-5987-4295-8DB6-98DF86C2FB70}" type="datetimeFigureOut">
               <a:rPr lang="zh-CN" altLang="en-US" smtClean="0"/>
               <a:t>2024/3/10</a:t>
             </a:fld>
@@ -1144,7 +1144,7 @@
           <p:cNvPr id="5" name="页脚占位符 4">
             <a:extLst>
               <a:ext uri="{FF2B5EF4-FFF2-40B4-BE49-F238E27FC236}">
-                <a16:creationId xmlns:a16="http://schemas.microsoft.com/office/drawing/2014/main" id="{11270B8D-BB99-07ED-7094-644CE6EF52A7}"/>
+                <a16:creationId xmlns:a16="http://schemas.microsoft.com/office/drawing/2014/main" id="{F350CEDA-961D-23BE-FF9C-DC271045B955}"/>
               </a:ext>
             </a:extLst>
           </p:cNvPr>
@@ -1169,7 +1169,7 @@
           <p:cNvPr id="6" name="灯片编号占位符 5">
             <a:extLst>
               <a:ext uri="{FF2B5EF4-FFF2-40B4-BE49-F238E27FC236}">
-                <a16:creationId xmlns:a16="http://schemas.microsoft.com/office/drawing/2014/main" id="{DA07E0E9-EF53-1308-A1E7-EB29552B5D54}"/>
+                <a16:creationId xmlns:a16="http://schemas.microsoft.com/office/drawing/2014/main" id="{DD7E1A13-B8D7-27B6-13B8-33505881FD29}"/>
               </a:ext>
             </a:extLst>
           </p:cNvPr>
@@ -1185,7 +1185,7 @@
           <a:bodyPr/>
           <a:lstStyle/>
           <a:p>
-            <a:fld id="{36E7ED65-8565-4449-A3A7-FB16D25802A8}" type="slidenum">
+            <a:fld id="{428C9D05-7D16-4FF5-A8C5-03857C0AE8B5}" type="slidenum">
               <a:rPr lang="zh-CN" altLang="en-US" smtClean="0"/>
               <a:t>‹#›</a:t>
             </a:fld>
@@ -1196,7 +1196,7 @@
     </p:spTree>
     <p:extLst>
       <p:ext uri="{BB962C8B-B14F-4D97-AF65-F5344CB8AC3E}">
-        <p14:creationId xmlns:p14="http://schemas.microsoft.com/office/powerpoint/2010/main" val="1679879907"/>
+        <p14:creationId xmlns:p14="http://schemas.microsoft.com/office/powerpoint/2010/main" val="3484542253"/>
       </p:ext>
     </p:extLst>
   </p:cSld>
@@ -1228,7 +1228,7 @@
           <p:cNvPr id="2" name="标题 1">
             <a:extLst>
               <a:ext uri="{FF2B5EF4-FFF2-40B4-BE49-F238E27FC236}">
-                <a16:creationId xmlns:a16="http://schemas.microsoft.com/office/drawing/2014/main" id="{505DF43F-98FD-F020-E3A9-9902EAE53C17}"/>
+                <a16:creationId xmlns:a16="http://schemas.microsoft.com/office/drawing/2014/main" id="{AA3FC1DA-546A-CEE7-F82F-376C88CFCD9F}"/>
               </a:ext>
             </a:extLst>
           </p:cNvPr>
@@ -1256,7 +1256,7 @@
           <p:cNvPr id="3" name="内容占位符 2">
             <a:extLst>
               <a:ext uri="{FF2B5EF4-FFF2-40B4-BE49-F238E27FC236}">
-                <a16:creationId xmlns:a16="http://schemas.microsoft.com/office/drawing/2014/main" id="{E45F5191-6A34-9C8A-998D-32CF32FDD945}"/>
+                <a16:creationId xmlns:a16="http://schemas.microsoft.com/office/drawing/2014/main" id="{B5AC4F99-189E-9986-9DEB-7143C8143A05}"/>
               </a:ext>
             </a:extLst>
           </p:cNvPr>
@@ -1318,7 +1318,7 @@
           <p:cNvPr id="4" name="内容占位符 3">
             <a:extLst>
               <a:ext uri="{FF2B5EF4-FFF2-40B4-BE49-F238E27FC236}">
-                <a16:creationId xmlns:a16="http://schemas.microsoft.com/office/drawing/2014/main" id="{54A69284-9322-FCB5-513A-6E61561B490F}"/>
+                <a16:creationId xmlns:a16="http://schemas.microsoft.com/office/drawing/2014/main" id="{729AC810-0264-816A-D9A5-6038E1FAF13E}"/>
               </a:ext>
             </a:extLst>
           </p:cNvPr>
@@ -1380,7 +1380,7 @@
           <p:cNvPr id="5" name="日期占位符 4">
             <a:extLst>
               <a:ext uri="{FF2B5EF4-FFF2-40B4-BE49-F238E27FC236}">
-                <a16:creationId xmlns:a16="http://schemas.microsoft.com/office/drawing/2014/main" id="{E342780C-7ADB-898C-EABE-7726D1D38F84}"/>
+                <a16:creationId xmlns:a16="http://schemas.microsoft.com/office/drawing/2014/main" id="{ADB59CC1-DB6D-9D3A-3829-CF72AADA33FC}"/>
               </a:ext>
             </a:extLst>
           </p:cNvPr>
@@ -1396,7 +1396,7 @@
           <a:bodyPr/>
           <a:lstStyle/>
           <a:p>
-            <a:fld id="{DC8F7E22-085E-4530-BFCF-6818ABF4B010}" type="datetimeFigureOut">
+            <a:fld id="{2C9B6E8E-5987-4295-8DB6-98DF86C2FB70}" type="datetimeFigureOut">
               <a:rPr lang="zh-CN" altLang="en-US" smtClean="0"/>
               <a:t>2024/3/10</a:t>
             </a:fld>
@@ -1409,7 +1409,7 @@
           <p:cNvPr id="6" name="页脚占位符 5">
             <a:extLst>
               <a:ext uri="{FF2B5EF4-FFF2-40B4-BE49-F238E27FC236}">
-                <a16:creationId xmlns:a16="http://schemas.microsoft.com/office/drawing/2014/main" id="{DB667C12-B606-879D-9D81-BE13EDC0C6C9}"/>
+                <a16:creationId xmlns:a16="http://schemas.microsoft.com/office/drawing/2014/main" id="{7B48C42A-443C-37EA-7E01-35CB29209D2F}"/>
               </a:ext>
             </a:extLst>
           </p:cNvPr>
@@ -1434,7 +1434,7 @@
           <p:cNvPr id="7" name="灯片编号占位符 6">
             <a:extLst>
               <a:ext uri="{FF2B5EF4-FFF2-40B4-BE49-F238E27FC236}">
-                <a16:creationId xmlns:a16="http://schemas.microsoft.com/office/drawing/2014/main" id="{28B18A93-813D-3F03-7113-907D2E2C0178}"/>
+                <a16:creationId xmlns:a16="http://schemas.microsoft.com/office/drawing/2014/main" id="{E8D58606-2F4A-7EFB-CD6C-AA48FB3F1FD0}"/>
               </a:ext>
             </a:extLst>
           </p:cNvPr>
@@ -1450,7 +1450,7 @@
           <a:bodyPr/>
           <a:lstStyle/>
           <a:p>
-            <a:fld id="{36E7ED65-8565-4449-A3A7-FB16D25802A8}" type="slidenum">
+            <a:fld id="{428C9D05-7D16-4FF5-A8C5-03857C0AE8B5}" type="slidenum">
               <a:rPr lang="zh-CN" altLang="en-US" smtClean="0"/>
               <a:t>‹#›</a:t>
             </a:fld>
@@ -1461,7 +1461,7 @@
     </p:spTree>
     <p:extLst>
       <p:ext uri="{BB962C8B-B14F-4D97-AF65-F5344CB8AC3E}">
-        <p14:creationId xmlns:p14="http://schemas.microsoft.com/office/powerpoint/2010/main" val="2577480425"/>
+        <p14:creationId xmlns:p14="http://schemas.microsoft.com/office/powerpoint/2010/main" val="1809673403"/>
       </p:ext>
     </p:extLst>
   </p:cSld>
@@ -1493,7 +1493,7 @@
           <p:cNvPr id="2" name="标题 1">
             <a:extLst>
               <a:ext uri="{FF2B5EF4-FFF2-40B4-BE49-F238E27FC236}">
-                <a16:creationId xmlns:a16="http://schemas.microsoft.com/office/drawing/2014/main" id="{4F0E88C3-9227-96DB-80C9-B2EF5FD381A3}"/>
+                <a16:creationId xmlns:a16="http://schemas.microsoft.com/office/drawing/2014/main" id="{401404AE-9653-79CA-5814-C8D781DC609B}"/>
               </a:ext>
             </a:extLst>
           </p:cNvPr>
@@ -1526,7 +1526,7 @@
           <p:cNvPr id="3" name="文本占位符 2">
             <a:extLst>
               <a:ext uri="{FF2B5EF4-FFF2-40B4-BE49-F238E27FC236}">
-                <a16:creationId xmlns:a16="http://schemas.microsoft.com/office/drawing/2014/main" id="{EBB2DE6E-620D-7048-F3FC-5B402A756263}"/>
+                <a16:creationId xmlns:a16="http://schemas.microsoft.com/office/drawing/2014/main" id="{503BC392-41B3-4DFF-4BB8-24D8D17A9B8D}"/>
               </a:ext>
             </a:extLst>
           </p:cNvPr>
@@ -1597,7 +1597,7 @@
           <p:cNvPr id="4" name="内容占位符 3">
             <a:extLst>
               <a:ext uri="{FF2B5EF4-FFF2-40B4-BE49-F238E27FC236}">
-                <a16:creationId xmlns:a16="http://schemas.microsoft.com/office/drawing/2014/main" id="{96A2A4C1-24B5-3B24-D4E4-2A991B21E51C}"/>
+                <a16:creationId xmlns:a16="http://schemas.microsoft.com/office/drawing/2014/main" id="{84E86DF4-6682-B7F6-E4E4-146E09819B26}"/>
               </a:ext>
             </a:extLst>
           </p:cNvPr>
@@ -1659,7 +1659,7 @@
           <p:cNvPr id="5" name="文本占位符 4">
             <a:extLst>
               <a:ext uri="{FF2B5EF4-FFF2-40B4-BE49-F238E27FC236}">
-                <a16:creationId xmlns:a16="http://schemas.microsoft.com/office/drawing/2014/main" id="{ED57E905-3BC4-C32C-89F6-520506FDEB52}"/>
+                <a16:creationId xmlns:a16="http://schemas.microsoft.com/office/drawing/2014/main" id="{8E6425AA-F76C-B54F-E511-D5B95BDC928B}"/>
               </a:ext>
             </a:extLst>
           </p:cNvPr>
@@ -1730,7 +1730,7 @@
           <p:cNvPr id="6" name="内容占位符 5">
             <a:extLst>
               <a:ext uri="{FF2B5EF4-FFF2-40B4-BE49-F238E27FC236}">
-                <a16:creationId xmlns:a16="http://schemas.microsoft.com/office/drawing/2014/main" id="{FE0BA0E0-81DD-4B05-BF70-4ACCDEF1B487}"/>
+                <a16:creationId xmlns:a16="http://schemas.microsoft.com/office/drawing/2014/main" id="{3ABCFA16-899F-3371-BFDC-04666E8119D2}"/>
               </a:ext>
             </a:extLst>
           </p:cNvPr>
@@ -1792,7 +1792,7 @@
           <p:cNvPr id="7" name="日期占位符 6">
             <a:extLst>
               <a:ext uri="{FF2B5EF4-FFF2-40B4-BE49-F238E27FC236}">
-                <a16:creationId xmlns:a16="http://schemas.microsoft.com/office/drawing/2014/main" id="{7E1F2FCB-6361-21FF-A679-CA80036C6F9C}"/>
+                <a16:creationId xmlns:a16="http://schemas.microsoft.com/office/drawing/2014/main" id="{1612482D-A14D-C3A0-8C76-F7BE6027849E}"/>
               </a:ext>
             </a:extLst>
           </p:cNvPr>
@@ -1808,7 +1808,7 @@
           <a:bodyPr/>
           <a:lstStyle/>
           <a:p>
-            <a:fld id="{DC8F7E22-085E-4530-BFCF-6818ABF4B010}" type="datetimeFigureOut">
+            <a:fld id="{2C9B6E8E-5987-4295-8DB6-98DF86C2FB70}" type="datetimeFigureOut">
               <a:rPr lang="zh-CN" altLang="en-US" smtClean="0"/>
               <a:t>2024/3/10</a:t>
             </a:fld>
@@ -1821,7 +1821,7 @@
           <p:cNvPr id="8" name="页脚占位符 7">
             <a:extLst>
               <a:ext uri="{FF2B5EF4-FFF2-40B4-BE49-F238E27FC236}">
-                <a16:creationId xmlns:a16="http://schemas.microsoft.com/office/drawing/2014/main" id="{BAB74A7E-AC1E-0CD8-29A9-78EA5B2140F4}"/>
+                <a16:creationId xmlns:a16="http://schemas.microsoft.com/office/drawing/2014/main" id="{AB25F5D0-4FD9-9882-8750-CEFD0EFAE65C}"/>
               </a:ext>
             </a:extLst>
           </p:cNvPr>
@@ -1846,7 +1846,7 @@
           <p:cNvPr id="9" name="灯片编号占位符 8">
             <a:extLst>
               <a:ext uri="{FF2B5EF4-FFF2-40B4-BE49-F238E27FC236}">
-                <a16:creationId xmlns:a16="http://schemas.microsoft.com/office/drawing/2014/main" id="{D2F0AC43-F165-46E8-A974-247CBD195DA3}"/>
+                <a16:creationId xmlns:a16="http://schemas.microsoft.com/office/drawing/2014/main" id="{5D8B58CC-0273-9AEA-75E1-C4E6551DFE2B}"/>
               </a:ext>
             </a:extLst>
           </p:cNvPr>
@@ -1862,7 +1862,7 @@
           <a:bodyPr/>
           <a:lstStyle/>
           <a:p>
-            <a:fld id="{36E7ED65-8565-4449-A3A7-FB16D25802A8}" type="slidenum">
+            <a:fld id="{428C9D05-7D16-4FF5-A8C5-03857C0AE8B5}" type="slidenum">
               <a:rPr lang="zh-CN" altLang="en-US" smtClean="0"/>
               <a:t>‹#›</a:t>
             </a:fld>
@@ -1873,7 +1873,7 @@
     </p:spTree>
     <p:extLst>
       <p:ext uri="{BB962C8B-B14F-4D97-AF65-F5344CB8AC3E}">
-        <p14:creationId xmlns:p14="http://schemas.microsoft.com/office/powerpoint/2010/main" val="2389621412"/>
+        <p14:creationId xmlns:p14="http://schemas.microsoft.com/office/powerpoint/2010/main" val="1296998313"/>
       </p:ext>
     </p:extLst>
   </p:cSld>
@@ -1905,7 +1905,7 @@
           <p:cNvPr id="2" name="标题 1">
             <a:extLst>
               <a:ext uri="{FF2B5EF4-FFF2-40B4-BE49-F238E27FC236}">
-                <a16:creationId xmlns:a16="http://schemas.microsoft.com/office/drawing/2014/main" id="{9B00F9EE-0651-123A-BDD0-9027C2015ECB}"/>
+                <a16:creationId xmlns:a16="http://schemas.microsoft.com/office/drawing/2014/main" id="{863B197E-ACFD-F861-4A19-781AE71DCCA4}"/>
               </a:ext>
             </a:extLst>
           </p:cNvPr>
@@ -1933,7 +1933,7 @@
           <p:cNvPr id="3" name="日期占位符 2">
             <a:extLst>
               <a:ext uri="{FF2B5EF4-FFF2-40B4-BE49-F238E27FC236}">
-                <a16:creationId xmlns:a16="http://schemas.microsoft.com/office/drawing/2014/main" id="{95E4B48E-C0B7-99E6-4433-F1BA5A463727}"/>
+                <a16:creationId xmlns:a16="http://schemas.microsoft.com/office/drawing/2014/main" id="{3246C72D-F76A-8FF0-2257-E34B3E1906C5}"/>
               </a:ext>
             </a:extLst>
           </p:cNvPr>
@@ -1949,7 +1949,7 @@
           <a:bodyPr/>
           <a:lstStyle/>
           <a:p>
-            <a:fld id="{DC8F7E22-085E-4530-BFCF-6818ABF4B010}" type="datetimeFigureOut">
+            <a:fld id="{2C9B6E8E-5987-4295-8DB6-98DF86C2FB70}" type="datetimeFigureOut">
               <a:rPr lang="zh-CN" altLang="en-US" smtClean="0"/>
               <a:t>2024/3/10</a:t>
             </a:fld>
@@ -1962,7 +1962,7 @@
           <p:cNvPr id="4" name="页脚占位符 3">
             <a:extLst>
               <a:ext uri="{FF2B5EF4-FFF2-40B4-BE49-F238E27FC236}">
-                <a16:creationId xmlns:a16="http://schemas.microsoft.com/office/drawing/2014/main" id="{17488337-1CEA-9253-6E7A-71E08D1B159C}"/>
+                <a16:creationId xmlns:a16="http://schemas.microsoft.com/office/drawing/2014/main" id="{AABE762E-2419-79CC-A169-FAEB172FC4B4}"/>
               </a:ext>
             </a:extLst>
           </p:cNvPr>
@@ -1987,7 +1987,7 @@
           <p:cNvPr id="5" name="灯片编号占位符 4">
             <a:extLst>
               <a:ext uri="{FF2B5EF4-FFF2-40B4-BE49-F238E27FC236}">
-                <a16:creationId xmlns:a16="http://schemas.microsoft.com/office/drawing/2014/main" id="{814A7D5B-1169-40A0-9055-A8C41C7B58D9}"/>
+                <a16:creationId xmlns:a16="http://schemas.microsoft.com/office/drawing/2014/main" id="{2EFAB5D7-2B92-C835-F35A-9038B1EBCBD6}"/>
               </a:ext>
             </a:extLst>
           </p:cNvPr>
@@ -2003,7 +2003,7 @@
           <a:bodyPr/>
           <a:lstStyle/>
           <a:p>
-            <a:fld id="{36E7ED65-8565-4449-A3A7-FB16D25802A8}" type="slidenum">
+            <a:fld id="{428C9D05-7D16-4FF5-A8C5-03857C0AE8B5}" type="slidenum">
               <a:rPr lang="zh-CN" altLang="en-US" smtClean="0"/>
               <a:t>‹#›</a:t>
             </a:fld>
@@ -2014,7 +2014,7 @@
     </p:spTree>
     <p:extLst>
       <p:ext uri="{BB962C8B-B14F-4D97-AF65-F5344CB8AC3E}">
-        <p14:creationId xmlns:p14="http://schemas.microsoft.com/office/powerpoint/2010/main" val="2141419039"/>
+        <p14:creationId xmlns:p14="http://schemas.microsoft.com/office/powerpoint/2010/main" val="931780730"/>
       </p:ext>
     </p:extLst>
   </p:cSld>
@@ -2046,7 +2046,7 @@
           <p:cNvPr id="2" name="日期占位符 1">
             <a:extLst>
               <a:ext uri="{FF2B5EF4-FFF2-40B4-BE49-F238E27FC236}">
-                <a16:creationId xmlns:a16="http://schemas.microsoft.com/office/drawing/2014/main" id="{7A83F29C-0AF3-F100-6303-2ACD329486D4}"/>
+                <a16:creationId xmlns:a16="http://schemas.microsoft.com/office/drawing/2014/main" id="{8E26CB92-248E-18A2-1AEA-D4E94F7AF0F3}"/>
               </a:ext>
             </a:extLst>
           </p:cNvPr>
@@ -2062,7 +2062,7 @@
           <a:bodyPr/>
           <a:lstStyle/>
           <a:p>
-            <a:fld id="{DC8F7E22-085E-4530-BFCF-6818ABF4B010}" type="datetimeFigureOut">
+            <a:fld id="{2C9B6E8E-5987-4295-8DB6-98DF86C2FB70}" type="datetimeFigureOut">
               <a:rPr lang="zh-CN" altLang="en-US" smtClean="0"/>
               <a:t>2024/3/10</a:t>
             </a:fld>
@@ -2075,7 +2075,7 @@
           <p:cNvPr id="3" name="页脚占位符 2">
             <a:extLst>
               <a:ext uri="{FF2B5EF4-FFF2-40B4-BE49-F238E27FC236}">
-                <a16:creationId xmlns:a16="http://schemas.microsoft.com/office/drawing/2014/main" id="{76C848DE-C08C-5237-733A-74A4CB929636}"/>
+                <a16:creationId xmlns:a16="http://schemas.microsoft.com/office/drawing/2014/main" id="{272DABC4-0EA4-FF5C-5508-DF25E4976BF2}"/>
               </a:ext>
             </a:extLst>
           </p:cNvPr>
@@ -2100,7 +2100,7 @@
           <p:cNvPr id="4" name="灯片编号占位符 3">
             <a:extLst>
               <a:ext uri="{FF2B5EF4-FFF2-40B4-BE49-F238E27FC236}">
-                <a16:creationId xmlns:a16="http://schemas.microsoft.com/office/drawing/2014/main" id="{31347DB8-0968-65EB-9E3C-998D8F392C5E}"/>
+                <a16:creationId xmlns:a16="http://schemas.microsoft.com/office/drawing/2014/main" id="{B226FA1E-3772-F673-7439-3479B22A8CD6}"/>
               </a:ext>
             </a:extLst>
           </p:cNvPr>
@@ -2116,7 +2116,7 @@
           <a:bodyPr/>
           <a:lstStyle/>
           <a:p>
-            <a:fld id="{36E7ED65-8565-4449-A3A7-FB16D25802A8}" type="slidenum">
+            <a:fld id="{428C9D05-7D16-4FF5-A8C5-03857C0AE8B5}" type="slidenum">
               <a:rPr lang="zh-CN" altLang="en-US" smtClean="0"/>
               <a:t>‹#›</a:t>
             </a:fld>
@@ -2127,7 +2127,7 @@
     </p:spTree>
     <p:extLst>
       <p:ext uri="{BB962C8B-B14F-4D97-AF65-F5344CB8AC3E}">
-        <p14:creationId xmlns:p14="http://schemas.microsoft.com/office/powerpoint/2010/main" val="120780087"/>
+        <p14:creationId xmlns:p14="http://schemas.microsoft.com/office/powerpoint/2010/main" val="4094688774"/>
       </p:ext>
     </p:extLst>
   </p:cSld>
@@ -2159,7 +2159,7 @@
           <p:cNvPr id="2" name="标题 1">
             <a:extLst>
               <a:ext uri="{FF2B5EF4-FFF2-40B4-BE49-F238E27FC236}">
-                <a16:creationId xmlns:a16="http://schemas.microsoft.com/office/drawing/2014/main" id="{0507E0A2-4E3D-CABA-4098-6AA8B3F66443}"/>
+                <a16:creationId xmlns:a16="http://schemas.microsoft.com/office/drawing/2014/main" id="{F4AF4DBD-3B35-DDBA-210B-81767D70D385}"/>
               </a:ext>
             </a:extLst>
           </p:cNvPr>
@@ -2196,7 +2196,7 @@
           <p:cNvPr id="3" name="内容占位符 2">
             <a:extLst>
               <a:ext uri="{FF2B5EF4-FFF2-40B4-BE49-F238E27FC236}">
-                <a16:creationId xmlns:a16="http://schemas.microsoft.com/office/drawing/2014/main" id="{13AF3037-1ACA-FC2B-C195-7FAB789C3DAC}"/>
+                <a16:creationId xmlns:a16="http://schemas.microsoft.com/office/drawing/2014/main" id="{93FE23EB-1C5E-60DB-BAE7-38AB133E1F93}"/>
               </a:ext>
             </a:extLst>
           </p:cNvPr>
@@ -2286,7 +2286,7 @@
           <p:cNvPr id="4" name="文本占位符 3">
             <a:extLst>
               <a:ext uri="{FF2B5EF4-FFF2-40B4-BE49-F238E27FC236}">
-                <a16:creationId xmlns:a16="http://schemas.microsoft.com/office/drawing/2014/main" id="{06263D2C-621C-3173-A742-624E9D60265B}"/>
+                <a16:creationId xmlns:a16="http://schemas.microsoft.com/office/drawing/2014/main" id="{57ED8D12-D9FA-29F2-35AE-4592286D86B3}"/>
               </a:ext>
             </a:extLst>
           </p:cNvPr>
@@ -2357,7 +2357,7 @@
           <p:cNvPr id="5" name="日期占位符 4">
             <a:extLst>
               <a:ext uri="{FF2B5EF4-FFF2-40B4-BE49-F238E27FC236}">
-                <a16:creationId xmlns:a16="http://schemas.microsoft.com/office/drawing/2014/main" id="{75B51815-96B1-8317-EE02-040F0FB4114B}"/>
+                <a16:creationId xmlns:a16="http://schemas.microsoft.com/office/drawing/2014/main" id="{4BC65C7B-0B94-4E6D-523F-056EF8B9629E}"/>
               </a:ext>
             </a:extLst>
           </p:cNvPr>
@@ -2373,7 +2373,7 @@
           <a:bodyPr/>
           <a:lstStyle/>
           <a:p>
-            <a:fld id="{DC8F7E22-085E-4530-BFCF-6818ABF4B010}" type="datetimeFigureOut">
+            <a:fld id="{2C9B6E8E-5987-4295-8DB6-98DF86C2FB70}" type="datetimeFigureOut">
               <a:rPr lang="zh-CN" altLang="en-US" smtClean="0"/>
               <a:t>2024/3/10</a:t>
             </a:fld>
@@ -2386,7 +2386,7 @@
           <p:cNvPr id="6" name="页脚占位符 5">
             <a:extLst>
               <a:ext uri="{FF2B5EF4-FFF2-40B4-BE49-F238E27FC236}">
-                <a16:creationId xmlns:a16="http://schemas.microsoft.com/office/drawing/2014/main" id="{13359A66-747E-CEC7-4B88-882489B2F069}"/>
+                <a16:creationId xmlns:a16="http://schemas.microsoft.com/office/drawing/2014/main" id="{C70CA309-76BD-8695-AE11-756889B39E25}"/>
               </a:ext>
             </a:extLst>
           </p:cNvPr>
@@ -2411,7 +2411,7 @@
           <p:cNvPr id="7" name="灯片编号占位符 6">
             <a:extLst>
               <a:ext uri="{FF2B5EF4-FFF2-40B4-BE49-F238E27FC236}">
-                <a16:creationId xmlns:a16="http://schemas.microsoft.com/office/drawing/2014/main" id="{1CFD8586-33E8-6B02-3212-99C5AD7B973E}"/>
+                <a16:creationId xmlns:a16="http://schemas.microsoft.com/office/drawing/2014/main" id="{4AAD5BCA-22E3-7EAD-3045-DD7F4E637821}"/>
               </a:ext>
             </a:extLst>
           </p:cNvPr>
@@ -2427,7 +2427,7 @@
           <a:bodyPr/>
           <a:lstStyle/>
           <a:p>
-            <a:fld id="{36E7ED65-8565-4449-A3A7-FB16D25802A8}" type="slidenum">
+            <a:fld id="{428C9D05-7D16-4FF5-A8C5-03857C0AE8B5}" type="slidenum">
               <a:rPr lang="zh-CN" altLang="en-US" smtClean="0"/>
               <a:t>‹#›</a:t>
             </a:fld>
@@ -2438,7 +2438,7 @@
     </p:spTree>
     <p:extLst>
       <p:ext uri="{BB962C8B-B14F-4D97-AF65-F5344CB8AC3E}">
-        <p14:creationId xmlns:p14="http://schemas.microsoft.com/office/powerpoint/2010/main" val="2343411593"/>
+        <p14:creationId xmlns:p14="http://schemas.microsoft.com/office/powerpoint/2010/main" val="20258853"/>
       </p:ext>
     </p:extLst>
   </p:cSld>
@@ -2470,7 +2470,7 @@
           <p:cNvPr id="2" name="标题 1">
             <a:extLst>
               <a:ext uri="{FF2B5EF4-FFF2-40B4-BE49-F238E27FC236}">
-                <a16:creationId xmlns:a16="http://schemas.microsoft.com/office/drawing/2014/main" id="{699D8654-93A0-05A5-12E6-4DB02C451EE0}"/>
+                <a16:creationId xmlns:a16="http://schemas.microsoft.com/office/drawing/2014/main" id="{24FDB099-0994-AF31-0550-71E485C48726}"/>
               </a:ext>
             </a:extLst>
           </p:cNvPr>
@@ -2507,7 +2507,7 @@
           <p:cNvPr id="3" name="图片占位符 2">
             <a:extLst>
               <a:ext uri="{FF2B5EF4-FFF2-40B4-BE49-F238E27FC236}">
-                <a16:creationId xmlns:a16="http://schemas.microsoft.com/office/drawing/2014/main" id="{57A72641-EC95-9125-7307-396AAA47F571}"/>
+                <a16:creationId xmlns:a16="http://schemas.microsoft.com/office/drawing/2014/main" id="{86F68675-1D9E-7AE9-C849-450F1BC84DEA}"/>
               </a:ext>
             </a:extLst>
           </p:cNvPr>
@@ -2574,7 +2574,7 @@
           <p:cNvPr id="4" name="文本占位符 3">
             <a:extLst>
               <a:ext uri="{FF2B5EF4-FFF2-40B4-BE49-F238E27FC236}">
-                <a16:creationId xmlns:a16="http://schemas.microsoft.com/office/drawing/2014/main" id="{066F2FB3-CC98-24BE-1E57-BDD88B9C4886}"/>
+                <a16:creationId xmlns:a16="http://schemas.microsoft.com/office/drawing/2014/main" id="{CAEA3A72-3D75-F5E1-6272-B927F5064264}"/>
               </a:ext>
             </a:extLst>
           </p:cNvPr>
@@ -2645,7 +2645,7 @@
           <p:cNvPr id="5" name="日期占位符 4">
             <a:extLst>
               <a:ext uri="{FF2B5EF4-FFF2-40B4-BE49-F238E27FC236}">
-                <a16:creationId xmlns:a16="http://schemas.microsoft.com/office/drawing/2014/main" id="{DC0EC50F-6127-D090-23DF-C949A4A2D1B4}"/>
+                <a16:creationId xmlns:a16="http://schemas.microsoft.com/office/drawing/2014/main" id="{87F6A91A-65B7-EE58-8F8D-05D2E7F9E32E}"/>
               </a:ext>
             </a:extLst>
           </p:cNvPr>
@@ -2661,7 +2661,7 @@
           <a:bodyPr/>
           <a:lstStyle/>
           <a:p>
-            <a:fld id="{DC8F7E22-085E-4530-BFCF-6818ABF4B010}" type="datetimeFigureOut">
+            <a:fld id="{2C9B6E8E-5987-4295-8DB6-98DF86C2FB70}" type="datetimeFigureOut">
               <a:rPr lang="zh-CN" altLang="en-US" smtClean="0"/>
               <a:t>2024/3/10</a:t>
             </a:fld>
@@ -2674,7 +2674,7 @@
           <p:cNvPr id="6" name="页脚占位符 5">
             <a:extLst>
               <a:ext uri="{FF2B5EF4-FFF2-40B4-BE49-F238E27FC236}">
-                <a16:creationId xmlns:a16="http://schemas.microsoft.com/office/drawing/2014/main" id="{1F2D7525-80D4-4041-2027-382BE7EF7934}"/>
+                <a16:creationId xmlns:a16="http://schemas.microsoft.com/office/drawing/2014/main" id="{6741EFF6-96B4-2FB5-D4A7-C4E56553ADC4}"/>
               </a:ext>
             </a:extLst>
           </p:cNvPr>
@@ -2699,7 +2699,7 @@
           <p:cNvPr id="7" name="灯片编号占位符 6">
             <a:extLst>
               <a:ext uri="{FF2B5EF4-FFF2-40B4-BE49-F238E27FC236}">
-                <a16:creationId xmlns:a16="http://schemas.microsoft.com/office/drawing/2014/main" id="{D769D85C-76C9-49A3-BD2C-34119BC544F8}"/>
+                <a16:creationId xmlns:a16="http://schemas.microsoft.com/office/drawing/2014/main" id="{7A28C789-8B66-500B-D16A-FC1EEEBEA4B3}"/>
               </a:ext>
             </a:extLst>
           </p:cNvPr>
@@ -2715,7 +2715,7 @@
           <a:bodyPr/>
           <a:lstStyle/>
           <a:p>
-            <a:fld id="{36E7ED65-8565-4449-A3A7-FB16D25802A8}" type="slidenum">
+            <a:fld id="{428C9D05-7D16-4FF5-A8C5-03857C0AE8B5}" type="slidenum">
               <a:rPr lang="zh-CN" altLang="en-US" smtClean="0"/>
               <a:t>‹#›</a:t>
             </a:fld>
@@ -2726,7 +2726,7 @@
     </p:spTree>
     <p:extLst>
       <p:ext uri="{BB962C8B-B14F-4D97-AF65-F5344CB8AC3E}">
-        <p14:creationId xmlns:p14="http://schemas.microsoft.com/office/powerpoint/2010/main" val="3271983980"/>
+        <p14:creationId xmlns:p14="http://schemas.microsoft.com/office/powerpoint/2010/main" val="462808628"/>
       </p:ext>
     </p:extLst>
   </p:cSld>
@@ -2763,7 +2763,7 @@
           <p:cNvPr id="2" name="标题占位符 1">
             <a:extLst>
               <a:ext uri="{FF2B5EF4-FFF2-40B4-BE49-F238E27FC236}">
-                <a16:creationId xmlns:a16="http://schemas.microsoft.com/office/drawing/2014/main" id="{BE33A16E-88C7-17C1-33C8-246BC9C19E88}"/>
+                <a16:creationId xmlns:a16="http://schemas.microsoft.com/office/drawing/2014/main" id="{E75A7567-23BA-6B68-EBE6-1CD4BB0DBE7C}"/>
               </a:ext>
             </a:extLst>
           </p:cNvPr>
@@ -2801,7 +2801,7 @@
           <p:cNvPr id="3" name="文本占位符 2">
             <a:extLst>
               <a:ext uri="{FF2B5EF4-FFF2-40B4-BE49-F238E27FC236}">
-                <a16:creationId xmlns:a16="http://schemas.microsoft.com/office/drawing/2014/main" id="{7D499D74-3DB4-B6E7-E9AE-A52D6E8C8FC8}"/>
+                <a16:creationId xmlns:a16="http://schemas.microsoft.com/office/drawing/2014/main" id="{DEBF8C0C-0344-F302-CACB-1ABFDE66D81F}"/>
               </a:ext>
             </a:extLst>
           </p:cNvPr>
@@ -2868,7 +2868,7 @@
           <p:cNvPr id="4" name="日期占位符 3">
             <a:extLst>
               <a:ext uri="{FF2B5EF4-FFF2-40B4-BE49-F238E27FC236}">
-                <a16:creationId xmlns:a16="http://schemas.microsoft.com/office/drawing/2014/main" id="{57485D01-C245-3051-38D5-DEBC0456165F}"/>
+                <a16:creationId xmlns:a16="http://schemas.microsoft.com/office/drawing/2014/main" id="{7FC66644-4A0F-B283-056D-6B16AD0F731D}"/>
               </a:ext>
             </a:extLst>
           </p:cNvPr>
@@ -2902,7 +2902,7 @@
             </a:lvl1pPr>
           </a:lstStyle>
           <a:p>
-            <a:fld id="{DC8F7E22-085E-4530-BFCF-6818ABF4B010}" type="datetimeFigureOut">
+            <a:fld id="{2C9B6E8E-5987-4295-8DB6-98DF86C2FB70}" type="datetimeFigureOut">
               <a:rPr lang="zh-CN" altLang="en-US" smtClean="0"/>
               <a:t>2024/3/10</a:t>
             </a:fld>
@@ -2915,7 +2915,7 @@
           <p:cNvPr id="5" name="页脚占位符 4">
             <a:extLst>
               <a:ext uri="{FF2B5EF4-FFF2-40B4-BE49-F238E27FC236}">
-                <a16:creationId xmlns:a16="http://schemas.microsoft.com/office/drawing/2014/main" id="{CEF4695F-3587-784A-1BFE-C69992B08CAC}"/>
+                <a16:creationId xmlns:a16="http://schemas.microsoft.com/office/drawing/2014/main" id="{79FA62EC-9884-0DE8-9F38-5B6EF1F9E277}"/>
               </a:ext>
             </a:extLst>
           </p:cNvPr>
@@ -2958,7 +2958,7 @@
           <p:cNvPr id="6" name="灯片编号占位符 5">
             <a:extLst>
               <a:ext uri="{FF2B5EF4-FFF2-40B4-BE49-F238E27FC236}">
-                <a16:creationId xmlns:a16="http://schemas.microsoft.com/office/drawing/2014/main" id="{3E554E2A-95FD-25DD-A77B-D19F65E29425}"/>
+                <a16:creationId xmlns:a16="http://schemas.microsoft.com/office/drawing/2014/main" id="{40D24313-74BB-B9C2-A25E-DFD7BBE31AD4}"/>
               </a:ext>
             </a:extLst>
           </p:cNvPr>
@@ -2992,7 +2992,7 @@
             </a:lvl1pPr>
           </a:lstStyle>
           <a:p>
-            <a:fld id="{36E7ED65-8565-4449-A3A7-FB16D25802A8}" type="slidenum">
+            <a:fld id="{428C9D05-7D16-4FF5-A8C5-03857C0AE8B5}" type="slidenum">
               <a:rPr lang="zh-CN" altLang="en-US" smtClean="0"/>
               <a:t>‹#›</a:t>
             </a:fld>
@@ -3003,7 +3003,7 @@
     </p:spTree>
     <p:extLst>
       <p:ext uri="{BB962C8B-B14F-4D97-AF65-F5344CB8AC3E}">
-        <p14:creationId xmlns:p14="http://schemas.microsoft.com/office/powerpoint/2010/main" val="1364831826"/>
+        <p14:creationId xmlns:p14="http://schemas.microsoft.com/office/powerpoint/2010/main" val="3922196063"/>
       </p:ext>
     </p:extLst>
   </p:cSld>
